--- a/Lectures/04_paskaita (GitHub, Funkcijos).pptx
+++ b/Lectures/04_paskaita (GitHub, Funkcijos).pptx
@@ -5648,6 +5648,102 @@
 </p:notes>
 </file>
 
+<file path=ppt/notesSlides/notesSlide19.xml><?xml version="1.0" encoding="utf-8"?>
+<p:notes xmlns:a="http://schemas.openxmlformats.org/drawingml/2006/main" xmlns:r="http://schemas.openxmlformats.org/officeDocument/2006/relationships" xmlns:p="http://schemas.openxmlformats.org/presentationml/2006/main">
+  <p:cSld>
+    <p:spTree>
+      <p:nvGrpSpPr>
+        <p:cNvPr id="1" name=""/>
+        <p:cNvGrpSpPr/>
+        <p:nvPr/>
+      </p:nvGrpSpPr>
+      <p:grpSpPr>
+        <a:xfrm>
+          <a:off x="0" y="0"/>
+          <a:ext cx="0" cy="0"/>
+          <a:chOff x="0" y="0"/>
+          <a:chExt cx="0" cy="0"/>
+        </a:xfrm>
+      </p:grpSpPr>
+      <p:sp>
+        <p:nvSpPr>
+          <p:cNvPr id="2" name="Slide Image Placeholder 1"/>
+          <p:cNvSpPr>
+            <a:spLocks noGrp="1" noRot="1" noChangeAspect="1"/>
+          </p:cNvSpPr>
+          <p:nvPr>
+            <p:ph type="sldImg"/>
+          </p:nvPr>
+        </p:nvSpPr>
+        <p:spPr/>
+      </p:sp>
+      <p:sp>
+        <p:nvSpPr>
+          <p:cNvPr id="3" name="Notes Placeholder 2"/>
+          <p:cNvSpPr>
+            <a:spLocks noGrp="1"/>
+          </p:cNvSpPr>
+          <p:nvPr>
+            <p:ph type="body" idx="1"/>
+          </p:nvPr>
+        </p:nvSpPr>
+        <p:spPr/>
+        <p:txBody>
+          <a:bodyPr/>
+          <a:lstStyle/>
+          <a:p>
+            <a:r>
+              <a:rPr lang="en-GB" dirty="0"/>
+              <a:t>https://</a:t>
+            </a:r>
+            <a:r>
+              <a:rPr lang="en-GB" dirty="0" err="1"/>
+              <a:t>github.com</a:t>
+            </a:r>
+            <a:r>
+              <a:rPr lang="en-GB" dirty="0"/>
+              <a:t>/aurimas13/Python-Beginner-Course/blob/main/Programs/04_lecture_problem_no_1_LT.py</a:t>
+            </a:r>
+            <a:endParaRPr lang="en-LT" dirty="0"/>
+          </a:p>
+        </p:txBody>
+      </p:sp>
+      <p:sp>
+        <p:nvSpPr>
+          <p:cNvPr id="4" name="Slide Number Placeholder 3"/>
+          <p:cNvSpPr>
+            <a:spLocks noGrp="1"/>
+          </p:cNvSpPr>
+          <p:nvPr>
+            <p:ph type="sldNum" sz="quarter" idx="5"/>
+          </p:nvPr>
+        </p:nvSpPr>
+        <p:spPr/>
+        <p:txBody>
+          <a:bodyPr/>
+          <a:lstStyle/>
+          <a:p>
+            <a:fld id="{B83A85B5-8788-D14D-A6AC-5E44B268AD9F}" type="slidenum">
+              <a:rPr lang="en-LT" smtClean="0"/>
+              <a:t>19</a:t>
+            </a:fld>
+            <a:endParaRPr lang="en-LT"/>
+          </a:p>
+        </p:txBody>
+      </p:sp>
+    </p:spTree>
+    <p:extLst>
+      <p:ext uri="{BB962C8B-B14F-4D97-AF65-F5344CB8AC3E}">
+        <p14:creationId xmlns:p14="http://schemas.microsoft.com/office/powerpoint/2010/main" val="2146928474"/>
+      </p:ext>
+    </p:extLst>
+  </p:cSld>
+  <p:clrMapOvr>
+    <a:masterClrMapping/>
+  </p:clrMapOvr>
+</p:notes>
+</file>
+
 <file path=ppt/notesSlides/notesSlide2.xml><?xml version="1.0" encoding="utf-8"?>
 <p:notes xmlns:a="http://schemas.openxmlformats.org/drawingml/2006/main" xmlns:r="http://schemas.openxmlformats.org/officeDocument/2006/relationships" xmlns:p="http://schemas.openxmlformats.org/presentationml/2006/main">
   <p:cSld>
@@ -6780,6 +6876,198 @@
     <p:extLst>
       <p:ext uri="{BB962C8B-B14F-4D97-AF65-F5344CB8AC3E}">
         <p14:creationId xmlns:p14="http://schemas.microsoft.com/office/powerpoint/2010/main" val="242512436"/>
+      </p:ext>
+    </p:extLst>
+  </p:cSld>
+  <p:clrMapOvr>
+    <a:masterClrMapping/>
+  </p:clrMapOvr>
+</p:notes>
+</file>
+
+<file path=ppt/notesSlides/notesSlide20.xml><?xml version="1.0" encoding="utf-8"?>
+<p:notes xmlns:a="http://schemas.openxmlformats.org/drawingml/2006/main" xmlns:r="http://schemas.openxmlformats.org/officeDocument/2006/relationships" xmlns:p="http://schemas.openxmlformats.org/presentationml/2006/main">
+  <p:cSld>
+    <p:spTree>
+      <p:nvGrpSpPr>
+        <p:cNvPr id="1" name=""/>
+        <p:cNvGrpSpPr/>
+        <p:nvPr/>
+      </p:nvGrpSpPr>
+      <p:grpSpPr>
+        <a:xfrm>
+          <a:off x="0" y="0"/>
+          <a:ext cx="0" cy="0"/>
+          <a:chOff x="0" y="0"/>
+          <a:chExt cx="0" cy="0"/>
+        </a:xfrm>
+      </p:grpSpPr>
+      <p:sp>
+        <p:nvSpPr>
+          <p:cNvPr id="2" name="Slide Image Placeholder 1"/>
+          <p:cNvSpPr>
+            <a:spLocks noGrp="1" noRot="1" noChangeAspect="1"/>
+          </p:cNvSpPr>
+          <p:nvPr>
+            <p:ph type="sldImg"/>
+          </p:nvPr>
+        </p:nvSpPr>
+        <p:spPr/>
+      </p:sp>
+      <p:sp>
+        <p:nvSpPr>
+          <p:cNvPr id="3" name="Notes Placeholder 2"/>
+          <p:cNvSpPr>
+            <a:spLocks noGrp="1"/>
+          </p:cNvSpPr>
+          <p:nvPr>
+            <p:ph type="body" idx="1"/>
+          </p:nvPr>
+        </p:nvSpPr>
+        <p:spPr/>
+        <p:txBody>
+          <a:bodyPr/>
+          <a:lstStyle/>
+          <a:p>
+            <a:r>
+              <a:rPr lang="en-GB" dirty="0"/>
+              <a:t>https://</a:t>
+            </a:r>
+            <a:r>
+              <a:rPr lang="en-GB" dirty="0" err="1"/>
+              <a:t>github.com</a:t>
+            </a:r>
+            <a:r>
+              <a:rPr lang="en-GB" dirty="0"/>
+              <a:t>/aurimas13/Python-Beginner-Course/blob/main/Programs/04_lecture_problem_no_2_LT.py</a:t>
+            </a:r>
+            <a:endParaRPr lang="en-LT" dirty="0"/>
+          </a:p>
+        </p:txBody>
+      </p:sp>
+      <p:sp>
+        <p:nvSpPr>
+          <p:cNvPr id="4" name="Slide Number Placeholder 3"/>
+          <p:cNvSpPr>
+            <a:spLocks noGrp="1"/>
+          </p:cNvSpPr>
+          <p:nvPr>
+            <p:ph type="sldNum" sz="quarter" idx="5"/>
+          </p:nvPr>
+        </p:nvSpPr>
+        <p:spPr/>
+        <p:txBody>
+          <a:bodyPr/>
+          <a:lstStyle/>
+          <a:p>
+            <a:fld id="{B83A85B5-8788-D14D-A6AC-5E44B268AD9F}" type="slidenum">
+              <a:rPr lang="en-LT" smtClean="0"/>
+              <a:t>20</a:t>
+            </a:fld>
+            <a:endParaRPr lang="en-LT"/>
+          </a:p>
+        </p:txBody>
+      </p:sp>
+    </p:spTree>
+    <p:extLst>
+      <p:ext uri="{BB962C8B-B14F-4D97-AF65-F5344CB8AC3E}">
+        <p14:creationId xmlns:p14="http://schemas.microsoft.com/office/powerpoint/2010/main" val="2236380692"/>
+      </p:ext>
+    </p:extLst>
+  </p:cSld>
+  <p:clrMapOvr>
+    <a:masterClrMapping/>
+  </p:clrMapOvr>
+</p:notes>
+</file>
+
+<file path=ppt/notesSlides/notesSlide21.xml><?xml version="1.0" encoding="utf-8"?>
+<p:notes xmlns:a="http://schemas.openxmlformats.org/drawingml/2006/main" xmlns:r="http://schemas.openxmlformats.org/officeDocument/2006/relationships" xmlns:p="http://schemas.openxmlformats.org/presentationml/2006/main">
+  <p:cSld>
+    <p:spTree>
+      <p:nvGrpSpPr>
+        <p:cNvPr id="1" name=""/>
+        <p:cNvGrpSpPr/>
+        <p:nvPr/>
+      </p:nvGrpSpPr>
+      <p:grpSpPr>
+        <a:xfrm>
+          <a:off x="0" y="0"/>
+          <a:ext cx="0" cy="0"/>
+          <a:chOff x="0" y="0"/>
+          <a:chExt cx="0" cy="0"/>
+        </a:xfrm>
+      </p:grpSpPr>
+      <p:sp>
+        <p:nvSpPr>
+          <p:cNvPr id="2" name="Slide Image Placeholder 1"/>
+          <p:cNvSpPr>
+            <a:spLocks noGrp="1" noRot="1" noChangeAspect="1"/>
+          </p:cNvSpPr>
+          <p:nvPr>
+            <p:ph type="sldImg"/>
+          </p:nvPr>
+        </p:nvSpPr>
+        <p:spPr/>
+      </p:sp>
+      <p:sp>
+        <p:nvSpPr>
+          <p:cNvPr id="3" name="Notes Placeholder 2"/>
+          <p:cNvSpPr>
+            <a:spLocks noGrp="1"/>
+          </p:cNvSpPr>
+          <p:nvPr>
+            <p:ph type="body" idx="1"/>
+          </p:nvPr>
+        </p:nvSpPr>
+        <p:spPr/>
+        <p:txBody>
+          <a:bodyPr/>
+          <a:lstStyle/>
+          <a:p>
+            <a:r>
+              <a:rPr lang="en-GB" dirty="0"/>
+              <a:t>https://</a:t>
+            </a:r>
+            <a:r>
+              <a:rPr lang="en-GB" dirty="0" err="1"/>
+              <a:t>github.com</a:t>
+            </a:r>
+            <a:r>
+              <a:rPr lang="en-GB"/>
+              <a:t>/aurimas13/Python-Beginner-Course/blob/main/Programs/04_lecture_problem_no_3_LT.py</a:t>
+            </a:r>
+            <a:endParaRPr lang="en-LT"/>
+          </a:p>
+        </p:txBody>
+      </p:sp>
+      <p:sp>
+        <p:nvSpPr>
+          <p:cNvPr id="4" name="Slide Number Placeholder 3"/>
+          <p:cNvSpPr>
+            <a:spLocks noGrp="1"/>
+          </p:cNvSpPr>
+          <p:nvPr>
+            <p:ph type="sldNum" sz="quarter" idx="5"/>
+          </p:nvPr>
+        </p:nvSpPr>
+        <p:spPr/>
+        <p:txBody>
+          <a:bodyPr/>
+          <a:lstStyle/>
+          <a:p>
+            <a:fld id="{B83A85B5-8788-D14D-A6AC-5E44B268AD9F}" type="slidenum">
+              <a:rPr lang="en-LT" smtClean="0"/>
+              <a:t>21</a:t>
+            </a:fld>
+            <a:endParaRPr lang="en-LT"/>
+          </a:p>
+        </p:txBody>
+      </p:sp>
+    </p:spTree>
+    <p:extLst>
+      <p:ext uri="{BB962C8B-B14F-4D97-AF65-F5344CB8AC3E}">
+        <p14:creationId xmlns:p14="http://schemas.microsoft.com/office/powerpoint/2010/main" val="1136412004"/>
       </p:ext>
     </p:extLst>
   </p:cSld>
@@ -27653,7 +27941,7 @@
           <p:nvPr/>
         </p:nvPicPr>
         <p:blipFill>
-          <a:blip r:embed="rId2"/>
+          <a:blip r:embed="rId3"/>
           <a:stretch/>
         </p:blipFill>
         <p:spPr>
@@ -28478,7 +28766,7 @@
           <p:nvPr/>
         </p:nvPicPr>
         <p:blipFill>
-          <a:blip r:embed="rId2"/>
+          <a:blip r:embed="rId3"/>
           <a:stretch/>
         </p:blipFill>
         <p:spPr>
@@ -28899,7 +29187,7 @@
           <p:nvPr/>
         </p:nvPicPr>
         <p:blipFill>
-          <a:blip r:embed="rId2"/>
+          <a:blip r:embed="rId3"/>
           <a:stretch/>
         </p:blipFill>
         <p:spPr>
@@ -30137,7 +30425,7 @@
         </p:nvSpPr>
         <p:spPr>
           <a:xfrm>
-            <a:off x="7545111" y="1641600"/>
+            <a:off x="7497720" y="1603140"/>
             <a:ext cx="4113497" cy="790920"/>
           </a:xfrm>
           <a:prstGeom prst="rect">
@@ -30295,7 +30583,7 @@
         </p:nvSpPr>
         <p:spPr>
           <a:xfrm>
-            <a:off x="3287700" y="1641600"/>
+            <a:off x="3276000" y="1603140"/>
             <a:ext cx="3750120" cy="663420"/>
           </a:xfrm>
           <a:prstGeom prst="rect">

--- a/Lectures/04_paskaita (GitHub, Funkcijos).pptx
+++ b/Lectures/04_paskaita (GitHub, Funkcijos).pptx
@@ -5704,6 +5704,24 @@
               <a:rPr lang="en-GB" dirty="0"/>
               <a:t>/aurimas13/Python-Beginner-Course/blob/main/Programs/04_lecture_problem_no_1_LT.py</a:t>
             </a:r>
+            <a:br>
+              <a:rPr lang="en-GB" dirty="0"/>
+            </a:br>
+            <a:br>
+              <a:rPr lang="en-GB" dirty="0"/>
+            </a:br>
+            <a:r>
+              <a:rPr lang="en-GB" dirty="0"/>
+              <a:t>https://</a:t>
+            </a:r>
+            <a:r>
+              <a:rPr lang="en-GB" dirty="0" err="1"/>
+              <a:t>github.com</a:t>
+            </a:r>
+            <a:r>
+              <a:rPr lang="en-GB"/>
+              <a:t>/aurimas13/Python-Beginner-Course/blob/main/Programs/04_lecture_problem_1_5_from_10_solved_in_5_lecture.py</a:t>
+            </a:r>
             <a:endParaRPr lang="en-LT" dirty="0"/>
           </a:p>
         </p:txBody>
@@ -6941,6 +6959,24 @@
               <a:rPr lang="en-GB" dirty="0"/>
               <a:t>/aurimas13/Python-Beginner-Course/blob/main/Programs/04_lecture_problem_no_2_LT.py</a:t>
             </a:r>
+            <a:br>
+              <a:rPr lang="en-GB" dirty="0"/>
+            </a:br>
+            <a:br>
+              <a:rPr lang="en-GB" dirty="0"/>
+            </a:br>
+            <a:r>
+              <a:rPr lang="en-GB" dirty="0"/>
+              <a:t>https://</a:t>
+            </a:r>
+            <a:r>
+              <a:rPr lang="en-GB" dirty="0" err="1"/>
+              <a:t>github.com</a:t>
+            </a:r>
+            <a:r>
+              <a:rPr lang="en-GB" dirty="0"/>
+              <a:t>/aurimas13/Python-Beginner-Course/blob/main/Programs/04_lecture_problem_2_solved_in_5_lecture.py</a:t>
+            </a:r>
             <a:endParaRPr lang="en-LT" dirty="0"/>
           </a:p>
         </p:txBody>
@@ -7034,10 +7070,10 @@
               <a:t>github.com</a:t>
             </a:r>
             <a:r>
-              <a:rPr lang="en-GB"/>
+              <a:rPr lang="en-GB" dirty="0"/>
               <a:t>/aurimas13/Python-Beginner-Course/blob/main/Programs/04_lecture_problem_no_3_LT.py</a:t>
             </a:r>
-            <a:endParaRPr lang="en-LT"/>
+            <a:endParaRPr lang="en-LT" dirty="0"/>
           </a:p>
         </p:txBody>
       </p:sp>
